--- a/2_Dokumentation/TexDoku/1_Kartenerstellung/img/Bilder_Kartenerstellung.pptx
+++ b/2_Dokumentation/TexDoku/1_Kartenerstellung/img/Bilder_Kartenerstellung.pptx
@@ -104,6 +104,11 @@
       </a:defRPr>
     </a:lvl9pPr>
   </p:defaultTextStyle>
+  <p:extLst>
+    <p:ext uri="{EFAFB233-063F-42B5-8137-9DF3F51BA10A}">
+      <p15:sldGuideLst xmlns:p15="http://schemas.microsoft.com/office/powerpoint/2012/main"/>
+    </p:ext>
+  </p:extLst>
 </p:presentation>
 </file>
 
@@ -238,7 +243,7 @@
           <a:p>
             <a:fld id="{B646E96E-03D0-4F88-AA20-EBA71831C822}" type="datetimeFigureOut">
               <a:rPr lang="de-DE" smtClean="0"/>
-              <a:t>02.11.2017</a:t>
+              <a:t>16.11.2017</a:t>
             </a:fld>
             <a:endParaRPr lang="de-DE"/>
           </a:p>
@@ -408,7 +413,7 @@
           <a:p>
             <a:fld id="{B646E96E-03D0-4F88-AA20-EBA71831C822}" type="datetimeFigureOut">
               <a:rPr lang="de-DE" smtClean="0"/>
-              <a:t>02.11.2017</a:t>
+              <a:t>16.11.2017</a:t>
             </a:fld>
             <a:endParaRPr lang="de-DE"/>
           </a:p>
@@ -588,7 +593,7 @@
           <a:p>
             <a:fld id="{B646E96E-03D0-4F88-AA20-EBA71831C822}" type="datetimeFigureOut">
               <a:rPr lang="de-DE" smtClean="0"/>
-              <a:t>02.11.2017</a:t>
+              <a:t>16.11.2017</a:t>
             </a:fld>
             <a:endParaRPr lang="de-DE"/>
           </a:p>
@@ -758,7 +763,7 @@
           <a:p>
             <a:fld id="{B646E96E-03D0-4F88-AA20-EBA71831C822}" type="datetimeFigureOut">
               <a:rPr lang="de-DE" smtClean="0"/>
-              <a:t>02.11.2017</a:t>
+              <a:t>16.11.2017</a:t>
             </a:fld>
             <a:endParaRPr lang="de-DE"/>
           </a:p>
@@ -1004,7 +1009,7 @@
           <a:p>
             <a:fld id="{B646E96E-03D0-4F88-AA20-EBA71831C822}" type="datetimeFigureOut">
               <a:rPr lang="de-DE" smtClean="0"/>
-              <a:t>02.11.2017</a:t>
+              <a:t>16.11.2017</a:t>
             </a:fld>
             <a:endParaRPr lang="de-DE"/>
           </a:p>
@@ -1236,7 +1241,7 @@
           <a:p>
             <a:fld id="{B646E96E-03D0-4F88-AA20-EBA71831C822}" type="datetimeFigureOut">
               <a:rPr lang="de-DE" smtClean="0"/>
-              <a:t>02.11.2017</a:t>
+              <a:t>16.11.2017</a:t>
             </a:fld>
             <a:endParaRPr lang="de-DE"/>
           </a:p>
@@ -1603,7 +1608,7 @@
           <a:p>
             <a:fld id="{B646E96E-03D0-4F88-AA20-EBA71831C822}" type="datetimeFigureOut">
               <a:rPr lang="de-DE" smtClean="0"/>
-              <a:t>02.11.2017</a:t>
+              <a:t>16.11.2017</a:t>
             </a:fld>
             <a:endParaRPr lang="de-DE"/>
           </a:p>
@@ -1721,7 +1726,7 @@
           <a:p>
             <a:fld id="{B646E96E-03D0-4F88-AA20-EBA71831C822}" type="datetimeFigureOut">
               <a:rPr lang="de-DE" smtClean="0"/>
-              <a:t>02.11.2017</a:t>
+              <a:t>16.11.2017</a:t>
             </a:fld>
             <a:endParaRPr lang="de-DE"/>
           </a:p>
@@ -1816,7 +1821,7 @@
           <a:p>
             <a:fld id="{B646E96E-03D0-4F88-AA20-EBA71831C822}" type="datetimeFigureOut">
               <a:rPr lang="de-DE" smtClean="0"/>
-              <a:t>02.11.2017</a:t>
+              <a:t>16.11.2017</a:t>
             </a:fld>
             <a:endParaRPr lang="de-DE"/>
           </a:p>
@@ -2093,7 +2098,7 @@
           <a:p>
             <a:fld id="{B646E96E-03D0-4F88-AA20-EBA71831C822}" type="datetimeFigureOut">
               <a:rPr lang="de-DE" smtClean="0"/>
-              <a:t>02.11.2017</a:t>
+              <a:t>16.11.2017</a:t>
             </a:fld>
             <a:endParaRPr lang="de-DE"/>
           </a:p>
@@ -2346,7 +2351,7 @@
           <a:p>
             <a:fld id="{B646E96E-03D0-4F88-AA20-EBA71831C822}" type="datetimeFigureOut">
               <a:rPr lang="de-DE" smtClean="0"/>
-              <a:t>02.11.2017</a:t>
+              <a:t>16.11.2017</a:t>
             </a:fld>
             <a:endParaRPr lang="de-DE"/>
           </a:p>
@@ -2559,7 +2564,7 @@
           <a:p>
             <a:fld id="{B646E96E-03D0-4F88-AA20-EBA71831C822}" type="datetimeFigureOut">
               <a:rPr lang="de-DE" smtClean="0"/>
-              <a:t>02.11.2017</a:t>
+              <a:t>16.11.2017</a:t>
             </a:fld>
             <a:endParaRPr lang="de-DE"/>
           </a:p>
@@ -3163,7 +3168,7 @@
                     <a:bodyPr/>
                     <a:lstStyle/>
                     <a:p>
-                      <a:endParaRPr lang="de-DE"/>
+                      <a:endParaRPr lang="de-DE" dirty="0"/>
                     </a:p>
                   </a:txBody>
                   <a:tcPr>
@@ -11647,7 +11652,7 @@
             <a:avLst/>
           </a:prstGeom>
           <a:solidFill>
-            <a:schemeClr val="tx2"/>
+            <a:srgbClr val="44546A"/>
           </a:solidFill>
           <a:ln w="38100">
             <a:solidFill>
